--- a/CI.CD.pptx
+++ b/CI.CD.pptx
@@ -118,6 +118,11 @@
       </a:defRPr>
     </a:lvl9pPr>
   </p:defaultTextStyle>
+  <p:extLst>
+    <p:ext uri="{EFAFB233-063F-42B5-8137-9DF3F51BA10A}">
+      <p15:sldGuideLst xmlns:p15="http://schemas.microsoft.com/office/powerpoint/2012/main"/>
+    </p:ext>
+  </p:extLst>
 </p:presentation>
 </file>
 
@@ -277,7 +282,7 @@
           <a:p>
             <a:fld id="{02AC24A9-CCB6-4F8D-B8DB-C2F3692CFA5A}" type="datetimeFigureOut">
               <a:rPr lang="en-US" smtClean="0"/>
-              <a:t>2/2/2023</a:t>
+              <a:t>2/6/2023</a:t>
             </a:fld>
             <a:endParaRPr lang="en-US" dirty="0"/>
           </a:p>
@@ -647,7 +652,7 @@
           <a:p>
             <a:fld id="{02AC24A9-CCB6-4F8D-B8DB-C2F3692CFA5A}" type="datetimeFigureOut">
               <a:rPr lang="en-US" smtClean="0"/>
-              <a:t>2/2/2023</a:t>
+              <a:t>2/6/2023</a:t>
             </a:fld>
             <a:endParaRPr lang="en-US"/>
           </a:p>
@@ -856,7 +861,7 @@
           <a:p>
             <a:fld id="{02AC24A9-CCB6-4F8D-B8DB-C2F3692CFA5A}" type="datetimeFigureOut">
               <a:rPr lang="en-US" smtClean="0"/>
-              <a:t>2/2/2023</a:t>
+              <a:t>2/6/2023</a:t>
             </a:fld>
             <a:endParaRPr lang="en-US"/>
           </a:p>
@@ -1326,7 +1331,7 @@
           <a:p>
             <a:fld id="{02AC24A9-CCB6-4F8D-B8DB-C2F3692CFA5A}" type="datetimeFigureOut">
               <a:rPr lang="en-US" smtClean="0"/>
-              <a:t>2/2/2023</a:t>
+              <a:t>2/6/2023</a:t>
             </a:fld>
             <a:endParaRPr lang="en-US"/>
           </a:p>
@@ -1780,7 +1785,7 @@
           <a:p>
             <a:fld id="{02AC24A9-CCB6-4F8D-B8DB-C2F3692CFA5A}" type="datetimeFigureOut">
               <a:rPr lang="en-US" smtClean="0"/>
-              <a:t>2/2/2023</a:t>
+              <a:t>2/6/2023</a:t>
             </a:fld>
             <a:endParaRPr lang="en-US"/>
           </a:p>
@@ -2312,7 +2317,7 @@
           <a:p>
             <a:fld id="{02AC24A9-CCB6-4F8D-B8DB-C2F3692CFA5A}" type="datetimeFigureOut">
               <a:rPr lang="en-US" smtClean="0"/>
-              <a:t>2/2/2023</a:t>
+              <a:t>2/6/2023</a:t>
             </a:fld>
             <a:endParaRPr lang="en-US"/>
           </a:p>
@@ -3011,7 +3016,7 @@
           <a:p>
             <a:fld id="{02AC24A9-CCB6-4F8D-B8DB-C2F3692CFA5A}" type="datetimeFigureOut">
               <a:rPr lang="en-US" smtClean="0"/>
-              <a:t>2/2/2023</a:t>
+              <a:t>2/6/2023</a:t>
             </a:fld>
             <a:endParaRPr lang="en-US"/>
           </a:p>
@@ -3340,7 +3345,7 @@
           <a:p>
             <a:fld id="{02AC24A9-CCB6-4F8D-B8DB-C2F3692CFA5A}" type="datetimeFigureOut">
               <a:rPr lang="en-US" smtClean="0"/>
-              <a:t>2/2/2023</a:t>
+              <a:t>2/6/2023</a:t>
             </a:fld>
             <a:endParaRPr lang="en-US"/>
           </a:p>
@@ -3453,7 +3458,7 @@
           <a:p>
             <a:fld id="{02AC24A9-CCB6-4F8D-B8DB-C2F3692CFA5A}" type="datetimeFigureOut">
               <a:rPr lang="en-US" smtClean="0"/>
-              <a:t>2/2/2023</a:t>
+              <a:t>2/6/2023</a:t>
             </a:fld>
             <a:endParaRPr lang="en-US"/>
           </a:p>
@@ -3948,7 +3953,7 @@
           <a:p>
             <a:fld id="{02AC24A9-CCB6-4F8D-B8DB-C2F3692CFA5A}" type="datetimeFigureOut">
               <a:rPr lang="en-US" smtClean="0"/>
-              <a:t>2/2/2023</a:t>
+              <a:t>2/6/2023</a:t>
             </a:fld>
             <a:endParaRPr lang="en-US" dirty="0"/>
           </a:p>
@@ -4425,7 +4430,7 @@
           <a:p>
             <a:fld id="{02AC24A9-CCB6-4F8D-B8DB-C2F3692CFA5A}" type="datetimeFigureOut">
               <a:rPr lang="en-US" smtClean="0"/>
-              <a:t>2/2/2023</a:t>
+              <a:t>2/6/2023</a:t>
             </a:fld>
             <a:endParaRPr lang="en-US"/>
           </a:p>
@@ -4668,7 +4673,7 @@
           <a:p>
             <a:fld id="{02AC24A9-CCB6-4F8D-B8DB-C2F3692CFA5A}" type="datetimeFigureOut">
               <a:rPr lang="en-US" smtClean="0"/>
-              <a:t>2/2/2023</a:t>
+              <a:t>2/6/2023</a:t>
             </a:fld>
             <a:endParaRPr lang="en-US"/>
           </a:p>
@@ -5632,7 +5637,7 @@
         <p:spPr/>
         <p:txBody>
           <a:bodyPr>
-            <a:normAutofit fontScale="70000" lnSpcReduction="20000"/>
+            <a:normAutofit fontScale="92500" lnSpcReduction="10000"/>
           </a:bodyPr>
           <a:lstStyle/>
           <a:p>
@@ -5664,7 +5669,7 @@
             </a:endParaRPr>
           </a:p>
           <a:p>
-            <a:pPr marL="457200" marR="0">
+            <a:pPr marR="0" indent="0">
               <a:lnSpc>
                 <a:spcPct val="107000"/>
               </a:lnSpc>
@@ -5674,6 +5679,7 @@
               <a:spcAft>
                 <a:spcPts val="800"/>
               </a:spcAft>
+              <a:buNone/>
             </a:pPr>
             <a:r>
               <a:rPr lang="en-CA" sz="1800" kern="100" dirty="0">
@@ -5710,7 +5716,7 @@
                 <a:ea typeface="Calibri" panose="020F0502020204030204" pitchFamily="34" charset="0"/>
                 <a:cs typeface="Times New Roman" panose="02020603050405020304" pitchFamily="18" charset="0"/>
               </a:rPr>
-              <a:t>JIRA is a comprehensive project management tool that provides a way to manage and track work items, such as bugs, features, and tasks, through a defined workflow. It allows you to organize work into projects and assign tasks to team members, set priorities, and track the progress of work. JIRA also provides robust reporting and dashboard capabilities, allowing you to gain insights into project progress and performance.</a:t>
+              <a:t>JIRA is a comprehensive project management tool that provides a way to manage and track work items, such as bugs, features, and tasks, through a defined workflow. JIRA also provides robust reporting and dashboard capabilities, allowing you to gain insights into project progress and performance.</a:t>
             </a:r>
             <a:endParaRPr lang="en-US" sz="1800" kern="100" dirty="0">
               <a:effectLst/>
@@ -5731,15 +5737,6 @@
                 <a:spcPts val="800"/>
               </a:spcAft>
             </a:pPr>
-            <a:r>
-              <a:rPr lang="en-CA" sz="1800" kern="100" dirty="0">
-                <a:effectLst/>
-                <a:latin typeface="Calibri" panose="020F0502020204030204" pitchFamily="34" charset="0"/>
-                <a:ea typeface="Calibri" panose="020F0502020204030204" pitchFamily="34" charset="0"/>
-                <a:cs typeface="Times New Roman" panose="02020603050405020304" pitchFamily="18" charset="0"/>
-              </a:rPr>
-              <a:t> </a:t>
-            </a:r>
             <a:endParaRPr lang="en-US" sz="1800" kern="100" dirty="0">
               <a:effectLst/>
               <a:latin typeface="Calibri" panose="020F0502020204030204" pitchFamily="34" charset="0"/>
@@ -5784,14 +5781,8 @@
                 <a:ea typeface="Calibri" panose="020F0502020204030204" pitchFamily="34" charset="0"/>
                 <a:cs typeface="Times New Roman" panose="02020603050405020304" pitchFamily="18" charset="0"/>
               </a:rPr>
-              <a:t>-style board to visualize the progress of work. Work items, such as tasks and bugs, are represented as cards on the board, and they can be moved through different stages of a workflow, such as "to-do", "in progress", and "done". Trello also provides a way to collaborate with team members, attach files, and set deadlines, making it a good option for small teams or projects with simple workflows.</a:t>
-            </a:r>
-            <a:endParaRPr lang="en-US" sz="1800" kern="100" dirty="0">
-              <a:effectLst/>
-              <a:latin typeface="Calibri" panose="020F0502020204030204" pitchFamily="34" charset="0"/>
-              <a:ea typeface="Calibri" panose="020F0502020204030204" pitchFamily="34" charset="0"/>
-              <a:cs typeface="Times New Roman" panose="02020603050405020304" pitchFamily="18" charset="0"/>
-            </a:endParaRPr>
+              <a:t>-style board to visualize the progress of work. Work items, such as tasks and bugs, are represented as cards on the board, and they can be moved through different stages of a workflow, such as "to-do", "in progress", and "done". </a:t>
+            </a:r>
           </a:p>
           <a:p>
             <a:pPr marL="457200" marR="0">
@@ -5806,48 +5797,14 @@
               </a:spcAft>
             </a:pPr>
             <a:r>
-              <a:rPr lang="en-CA" sz="1800" kern="100" dirty="0">
+              <a:rPr lang="en-US" sz="1800" kern="100" dirty="0">
                 <a:effectLst/>
                 <a:latin typeface="Calibri" panose="020F0502020204030204" pitchFamily="34" charset="0"/>
                 <a:ea typeface="Calibri" panose="020F0502020204030204" pitchFamily="34" charset="0"/>
                 <a:cs typeface="Times New Roman" panose="02020603050405020304" pitchFamily="18" charset="0"/>
               </a:rPr>
-              <a:t> </a:t>
-            </a:r>
-            <a:endParaRPr lang="en-US" sz="1800" kern="100" dirty="0">
-              <a:effectLst/>
-              <a:latin typeface="Calibri" panose="020F0502020204030204" pitchFamily="34" charset="0"/>
-              <a:ea typeface="Calibri" panose="020F0502020204030204" pitchFamily="34" charset="0"/>
-              <a:cs typeface="Times New Roman" panose="02020603050405020304" pitchFamily="18" charset="0"/>
-            </a:endParaRPr>
-          </a:p>
-          <a:p>
-            <a:pPr marL="457200" marR="0">
-              <a:lnSpc>
-                <a:spcPct val="107000"/>
-              </a:lnSpc>
-              <a:spcBef>
-                <a:spcPts val="0"/>
-              </a:spcBef>
-              <a:spcAft>
-                <a:spcPts val="800"/>
-              </a:spcAft>
-            </a:pPr>
-            <a:r>
-              <a:rPr lang="en-CA" sz="1800" kern="100" dirty="0">
-                <a:effectLst/>
-                <a:latin typeface="Calibri" panose="020F0502020204030204" pitchFamily="34" charset="0"/>
-                <a:ea typeface="Calibri" panose="020F0502020204030204" pitchFamily="34" charset="0"/>
-                <a:cs typeface="Times New Roman" panose="02020603050405020304" pitchFamily="18" charset="0"/>
-              </a:rPr>
-              <a:t>By using tools like JIRA or Trello, teams in a DevOps environment can better manage and track their work, improving collaboration and communication, and ensuring that work is delivered on time and to a high quality. These tools can also provide valuable insights into project performance and help teams to identify and address potential bottlenecks or roadblocks.</a:t>
-            </a:r>
-            <a:endParaRPr lang="en-US" sz="1800" kern="100" dirty="0">
-              <a:effectLst/>
-              <a:latin typeface="Calibri" panose="020F0502020204030204" pitchFamily="34" charset="0"/>
-              <a:ea typeface="Calibri" panose="020F0502020204030204" pitchFamily="34" charset="0"/>
-              <a:cs typeface="Times New Roman" panose="02020603050405020304" pitchFamily="18" charset="0"/>
-            </a:endParaRPr>
+              <a:t>Both are effective implementation of the Dev/Ops culture.</a:t>
+            </a:r>
           </a:p>
           <a:p>
             <a:endParaRPr lang="en-US" dirty="0"/>
@@ -6032,11 +5989,11 @@
         <p:spPr/>
         <p:txBody>
           <a:bodyPr>
-            <a:normAutofit fontScale="70000" lnSpcReduction="20000"/>
+            <a:normAutofit fontScale="77500" lnSpcReduction="20000"/>
           </a:bodyPr>
           <a:lstStyle/>
           <a:p>
-            <a:pPr marL="457200" marR="0">
+            <a:pPr marR="0" indent="0">
               <a:lnSpc>
                 <a:spcPct val="107000"/>
               </a:lnSpc>
@@ -6046,44 +6003,8 @@
               <a:spcAft>
                 <a:spcPts val="800"/>
               </a:spcAft>
+              <a:buNone/>
             </a:pPr>
-            <a:r>
-              <a:rPr lang="en-CA" sz="1800" kern="100" dirty="0">
-                <a:effectLst/>
-                <a:latin typeface="Calibri" panose="020F0502020204030204" pitchFamily="34" charset="0"/>
-                <a:ea typeface="Calibri" panose="020F0502020204030204" pitchFamily="34" charset="0"/>
-                <a:cs typeface="Times New Roman" panose="02020603050405020304" pitchFamily="18" charset="0"/>
-              </a:rPr>
-              <a:t>A/B testing and canary releases are two techniques used in software development to minimize risk and improve the release process.</a:t>
-            </a:r>
-            <a:endParaRPr lang="en-US" sz="1800" kern="100" dirty="0">
-              <a:effectLst/>
-              <a:latin typeface="Calibri" panose="020F0502020204030204" pitchFamily="34" charset="0"/>
-              <a:ea typeface="Calibri" panose="020F0502020204030204" pitchFamily="34" charset="0"/>
-              <a:cs typeface="Times New Roman" panose="02020603050405020304" pitchFamily="18" charset="0"/>
-            </a:endParaRPr>
-          </a:p>
-          <a:p>
-            <a:pPr marL="457200" marR="0">
-              <a:lnSpc>
-                <a:spcPct val="107000"/>
-              </a:lnSpc>
-              <a:spcBef>
-                <a:spcPts val="0"/>
-              </a:spcBef>
-              <a:spcAft>
-                <a:spcPts val="800"/>
-              </a:spcAft>
-            </a:pPr>
-            <a:r>
-              <a:rPr lang="en-CA" sz="1800" kern="100" dirty="0">
-                <a:effectLst/>
-                <a:latin typeface="Calibri" panose="020F0502020204030204" pitchFamily="34" charset="0"/>
-                <a:ea typeface="Calibri" panose="020F0502020204030204" pitchFamily="34" charset="0"/>
-                <a:cs typeface="Times New Roman" panose="02020603050405020304" pitchFamily="18" charset="0"/>
-              </a:rPr>
-              <a:t> </a:t>
-            </a:r>
             <a:endParaRPr lang="en-US" sz="1800" kern="100" dirty="0">
               <a:effectLst/>
               <a:latin typeface="Calibri" panose="020F0502020204030204" pitchFamily="34" charset="0"/>
@@ -6131,15 +6052,6 @@
                 <a:spcPts val="800"/>
               </a:spcAft>
             </a:pPr>
-            <a:r>
-              <a:rPr lang="en-CA" sz="1800" kern="100" dirty="0">
-                <a:effectLst/>
-                <a:latin typeface="Calibri" panose="020F0502020204030204" pitchFamily="34" charset="0"/>
-                <a:ea typeface="Calibri" panose="020F0502020204030204" pitchFamily="34" charset="0"/>
-                <a:cs typeface="Times New Roman" panose="02020603050405020304" pitchFamily="18" charset="0"/>
-              </a:rPr>
-              <a:t> </a:t>
-            </a:r>
             <a:endParaRPr lang="en-US" sz="1800" kern="100" dirty="0">
               <a:effectLst/>
               <a:latin typeface="Calibri" panose="020F0502020204030204" pitchFamily="34" charset="0"/>
@@ -6187,15 +6099,6 @@
                 <a:spcPts val="800"/>
               </a:spcAft>
             </a:pPr>
-            <a:r>
-              <a:rPr lang="en-CA" sz="1800" kern="100" dirty="0">
-                <a:effectLst/>
-                <a:latin typeface="Calibri" panose="020F0502020204030204" pitchFamily="34" charset="0"/>
-                <a:ea typeface="Calibri" panose="020F0502020204030204" pitchFamily="34" charset="0"/>
-                <a:cs typeface="Times New Roman" panose="02020603050405020304" pitchFamily="18" charset="0"/>
-              </a:rPr>
-              <a:t> </a:t>
-            </a:r>
             <a:endParaRPr lang="en-US" sz="1800" kern="100" dirty="0">
               <a:effectLst/>
               <a:latin typeface="Calibri" panose="020F0502020204030204" pitchFamily="34" charset="0"/>
@@ -6349,6 +6252,46 @@
                 <a:ea typeface="Calibri" panose="020F0502020204030204" pitchFamily="34" charset="0"/>
                 <a:cs typeface="Times New Roman" panose="02020603050405020304" pitchFamily="18" charset="0"/>
               </a:rPr>
+              <a:t>FEELD:</a:t>
+            </a:r>
+          </a:p>
+          <a:p>
+            <a:pPr marL="457200" marR="0">
+              <a:lnSpc>
+                <a:spcPct val="107000"/>
+              </a:lnSpc>
+              <a:spcBef>
+                <a:spcPts val="0"/>
+              </a:spcBef>
+              <a:spcAft>
+                <a:spcPts val="0"/>
+              </a:spcAft>
+            </a:pPr>
+            <a:endParaRPr lang="en-CA" sz="1800" kern="100" dirty="0">
+              <a:latin typeface="Calibri" panose="020F0502020204030204" pitchFamily="34" charset="0"/>
+              <a:ea typeface="Calibri" panose="020F0502020204030204" pitchFamily="34" charset="0"/>
+              <a:cs typeface="Times New Roman" panose="02020603050405020304" pitchFamily="18" charset="0"/>
+            </a:endParaRPr>
+          </a:p>
+          <a:p>
+            <a:pPr marL="457200" marR="0">
+              <a:lnSpc>
+                <a:spcPct val="107000"/>
+              </a:lnSpc>
+              <a:spcBef>
+                <a:spcPts val="0"/>
+              </a:spcBef>
+              <a:spcAft>
+                <a:spcPts val="0"/>
+              </a:spcAft>
+            </a:pPr>
+            <a:r>
+              <a:rPr lang="en-CA" sz="1800" kern="100" dirty="0">
+                <a:effectLst/>
+                <a:latin typeface="Calibri" panose="020F0502020204030204" pitchFamily="34" charset="0"/>
+                <a:ea typeface="Calibri" panose="020F0502020204030204" pitchFamily="34" charset="0"/>
+                <a:cs typeface="Times New Roman" panose="02020603050405020304" pitchFamily="18" charset="0"/>
+              </a:rPr>
               <a:t>Fostering a culture of collaboration, automation, and continuous improvement within a DevOps team requires a combination of organizational, process, and technical changes. Some ways to achieve this are:</a:t>
             </a:r>
             <a:endParaRPr lang="en-US" sz="1800" kern="100" dirty="0">
@@ -6369,6 +6312,101 @@
               <a:spcAft>
                 <a:spcPts val="0"/>
               </a:spcAft>
+            </a:pPr>
+            <a:endParaRPr lang="en-US" sz="1800" kern="100" dirty="0">
+              <a:effectLst/>
+              <a:latin typeface="Calibri" panose="020F0502020204030204" pitchFamily="34" charset="0"/>
+              <a:ea typeface="Calibri" panose="020F0502020204030204" pitchFamily="34" charset="0"/>
+              <a:cs typeface="Times New Roman" panose="02020603050405020304" pitchFamily="18" charset="0"/>
+            </a:endParaRPr>
+          </a:p>
+          <a:p>
+            <a:pPr marL="457200" marR="0">
+              <a:lnSpc>
+                <a:spcPct val="107000"/>
+              </a:lnSpc>
+              <a:spcBef>
+                <a:spcPts val="0"/>
+              </a:spcBef>
+              <a:spcAft>
+                <a:spcPts val="0"/>
+              </a:spcAft>
+            </a:pPr>
+            <a:r>
+              <a:rPr lang="en-CA" sz="1800" kern="100" dirty="0">
+                <a:effectLst/>
+                <a:latin typeface="Calibri" panose="020F0502020204030204" pitchFamily="34" charset="0"/>
+                <a:ea typeface="Calibri" panose="020F0502020204030204" pitchFamily="34" charset="0"/>
+                <a:cs typeface="Times New Roman" panose="02020603050405020304" pitchFamily="18" charset="0"/>
+              </a:rPr>
+              <a:t>Encourage Collaboration: DevOps is all about collaboration between teams, so it is important to create an environment where teams feel comfortable sharing information and working together. This can be achieved through regular team meetings, cross-functional training, and open communication channels.</a:t>
+            </a:r>
+            <a:endParaRPr lang="en-US" sz="1800" kern="100" dirty="0">
+              <a:effectLst/>
+              <a:latin typeface="Calibri" panose="020F0502020204030204" pitchFamily="34" charset="0"/>
+              <a:ea typeface="Calibri" panose="020F0502020204030204" pitchFamily="34" charset="0"/>
+              <a:cs typeface="Times New Roman" panose="02020603050405020304" pitchFamily="18" charset="0"/>
+            </a:endParaRPr>
+          </a:p>
+          <a:p>
+            <a:pPr marL="457200" marR="0">
+              <a:lnSpc>
+                <a:spcPct val="107000"/>
+              </a:lnSpc>
+              <a:spcBef>
+                <a:spcPts val="0"/>
+              </a:spcBef>
+              <a:spcAft>
+                <a:spcPts val="0"/>
+              </a:spcAft>
+            </a:pPr>
+            <a:endParaRPr lang="en-US" sz="1800" kern="100" dirty="0">
+              <a:effectLst/>
+              <a:latin typeface="Calibri" panose="020F0502020204030204" pitchFamily="34" charset="0"/>
+              <a:ea typeface="Calibri" panose="020F0502020204030204" pitchFamily="34" charset="0"/>
+              <a:cs typeface="Times New Roman" panose="02020603050405020304" pitchFamily="18" charset="0"/>
+            </a:endParaRPr>
+          </a:p>
+          <a:p>
+            <a:pPr marL="457200" marR="0">
+              <a:lnSpc>
+                <a:spcPct val="107000"/>
+              </a:lnSpc>
+              <a:spcBef>
+                <a:spcPts val="0"/>
+              </a:spcBef>
+              <a:spcAft>
+                <a:spcPts val="0"/>
+              </a:spcAft>
+            </a:pPr>
+            <a:r>
+              <a:rPr lang="en-CA" sz="1800" kern="100" dirty="0">
+                <a:effectLst/>
+                <a:latin typeface="Calibri" panose="020F0502020204030204" pitchFamily="34" charset="0"/>
+                <a:ea typeface="Calibri" panose="020F0502020204030204" pitchFamily="34" charset="0"/>
+                <a:cs typeface="Times New Roman" panose="02020603050405020304" pitchFamily="18" charset="0"/>
+              </a:rPr>
+              <a:t>Embrace Automation: Automation is a key aspect of DevOps, so it's important to embrace and encourage the use of automation tools and processes within your team. This can be achieved through regular training and knowledge sharing sessions, and by providing teams with the resources they need to automate processes effectively.</a:t>
+            </a:r>
+            <a:endParaRPr lang="en-US" sz="1800" kern="100" dirty="0">
+              <a:effectLst/>
+              <a:latin typeface="Calibri" panose="020F0502020204030204" pitchFamily="34" charset="0"/>
+              <a:ea typeface="Calibri" panose="020F0502020204030204" pitchFamily="34" charset="0"/>
+              <a:cs typeface="Times New Roman" panose="02020603050405020304" pitchFamily="18" charset="0"/>
+            </a:endParaRPr>
+          </a:p>
+          <a:p>
+            <a:pPr marR="0" indent="0">
+              <a:lnSpc>
+                <a:spcPct val="107000"/>
+              </a:lnSpc>
+              <a:spcBef>
+                <a:spcPts val="0"/>
+              </a:spcBef>
+              <a:spcAft>
+                <a:spcPts val="0"/>
+              </a:spcAft>
+              <a:buNone/>
             </a:pPr>
             <a:r>
               <a:rPr lang="en-CA" sz="1800" kern="100" dirty="0">
@@ -6405,7 +6443,7 @@
                 <a:ea typeface="Calibri" panose="020F0502020204030204" pitchFamily="34" charset="0"/>
                 <a:cs typeface="Times New Roman" panose="02020603050405020304" pitchFamily="18" charset="0"/>
               </a:rPr>
-              <a:t>Encourage Collaboration: DevOps is all about collaboration between teams, so it is important to create an environment where teams feel comfortable sharing information and working together. This can be achieved through regular team meetings, cross-functional training, and open communication channels.</a:t>
+              <a:t>Encourage Continuous Improvement: DevOps is a journey, not a destination, and it is important to encourage teams to continuously look for ways to improve processes, tools, and systems. This can be achieved through regular retrospectives, experimentation and innovation, and by providing teams with the time and resources to experiment and learn.</a:t>
             </a:r>
             <a:endParaRPr lang="en-US" sz="1800" kern="100" dirty="0">
               <a:effectLst/>
@@ -6426,127 +6464,6 @@
                 <a:spcPts val="0"/>
               </a:spcAft>
             </a:pPr>
-            <a:r>
-              <a:rPr lang="en-CA" sz="1800" kern="100" dirty="0">
-                <a:effectLst/>
-                <a:latin typeface="Calibri" panose="020F0502020204030204" pitchFamily="34" charset="0"/>
-                <a:ea typeface="Calibri" panose="020F0502020204030204" pitchFamily="34" charset="0"/>
-                <a:cs typeface="Times New Roman" panose="02020603050405020304" pitchFamily="18" charset="0"/>
-              </a:rPr>
-              <a:t> </a:t>
-            </a:r>
-            <a:endParaRPr lang="en-US" sz="1800" kern="100" dirty="0">
-              <a:effectLst/>
-              <a:latin typeface="Calibri" panose="020F0502020204030204" pitchFamily="34" charset="0"/>
-              <a:ea typeface="Calibri" panose="020F0502020204030204" pitchFamily="34" charset="0"/>
-              <a:cs typeface="Times New Roman" panose="02020603050405020304" pitchFamily="18" charset="0"/>
-            </a:endParaRPr>
-          </a:p>
-          <a:p>
-            <a:pPr marL="457200" marR="0">
-              <a:lnSpc>
-                <a:spcPct val="107000"/>
-              </a:lnSpc>
-              <a:spcBef>
-                <a:spcPts val="0"/>
-              </a:spcBef>
-              <a:spcAft>
-                <a:spcPts val="0"/>
-              </a:spcAft>
-            </a:pPr>
-            <a:r>
-              <a:rPr lang="en-CA" sz="1800" kern="100" dirty="0">
-                <a:effectLst/>
-                <a:latin typeface="Calibri" panose="020F0502020204030204" pitchFamily="34" charset="0"/>
-                <a:ea typeface="Calibri" panose="020F0502020204030204" pitchFamily="34" charset="0"/>
-                <a:cs typeface="Times New Roman" panose="02020603050405020304" pitchFamily="18" charset="0"/>
-              </a:rPr>
-              <a:t>Embrace Automation: Automation is a key aspect of DevOps, so it's important to embrace and encourage the use of automation tools and processes within your team. This can be achieved through regular training and knowledge sharing sessions, and by providing teams with the resources they need to automate processes effectively.</a:t>
-            </a:r>
-            <a:endParaRPr lang="en-US" sz="1800" kern="100" dirty="0">
-              <a:effectLst/>
-              <a:latin typeface="Calibri" panose="020F0502020204030204" pitchFamily="34" charset="0"/>
-              <a:ea typeface="Calibri" panose="020F0502020204030204" pitchFamily="34" charset="0"/>
-              <a:cs typeface="Times New Roman" panose="02020603050405020304" pitchFamily="18" charset="0"/>
-            </a:endParaRPr>
-          </a:p>
-          <a:p>
-            <a:pPr marL="457200" marR="0">
-              <a:lnSpc>
-                <a:spcPct val="107000"/>
-              </a:lnSpc>
-              <a:spcBef>
-                <a:spcPts val="0"/>
-              </a:spcBef>
-              <a:spcAft>
-                <a:spcPts val="0"/>
-              </a:spcAft>
-            </a:pPr>
-            <a:r>
-              <a:rPr lang="en-CA" sz="1800" kern="100" dirty="0">
-                <a:effectLst/>
-                <a:latin typeface="Calibri" panose="020F0502020204030204" pitchFamily="34" charset="0"/>
-                <a:ea typeface="Calibri" panose="020F0502020204030204" pitchFamily="34" charset="0"/>
-                <a:cs typeface="Times New Roman" panose="02020603050405020304" pitchFamily="18" charset="0"/>
-              </a:rPr>
-              <a:t> </a:t>
-            </a:r>
-            <a:endParaRPr lang="en-US" sz="1800" kern="100" dirty="0">
-              <a:effectLst/>
-              <a:latin typeface="Calibri" panose="020F0502020204030204" pitchFamily="34" charset="0"/>
-              <a:ea typeface="Calibri" panose="020F0502020204030204" pitchFamily="34" charset="0"/>
-              <a:cs typeface="Times New Roman" panose="02020603050405020304" pitchFamily="18" charset="0"/>
-            </a:endParaRPr>
-          </a:p>
-          <a:p>
-            <a:pPr marL="457200" marR="0">
-              <a:lnSpc>
-                <a:spcPct val="107000"/>
-              </a:lnSpc>
-              <a:spcBef>
-                <a:spcPts val="0"/>
-              </a:spcBef>
-              <a:spcAft>
-                <a:spcPts val="0"/>
-              </a:spcAft>
-            </a:pPr>
-            <a:r>
-              <a:rPr lang="en-CA" sz="1800" kern="100" dirty="0">
-                <a:effectLst/>
-                <a:latin typeface="Calibri" panose="020F0502020204030204" pitchFamily="34" charset="0"/>
-                <a:ea typeface="Calibri" panose="020F0502020204030204" pitchFamily="34" charset="0"/>
-                <a:cs typeface="Times New Roman" panose="02020603050405020304" pitchFamily="18" charset="0"/>
-              </a:rPr>
-              <a:t>Encourage Continuous Improvement: DevOps is a journey, not a destination, and it is important to encourage teams to continuously look for ways to improve processes, tools, and systems. This can be achieved through regular retrospectives, experimentation and innovation, and by providing teams with the time and resources to experiment and learn.</a:t>
-            </a:r>
-            <a:endParaRPr lang="en-US" sz="1800" kern="100" dirty="0">
-              <a:effectLst/>
-              <a:latin typeface="Calibri" panose="020F0502020204030204" pitchFamily="34" charset="0"/>
-              <a:ea typeface="Calibri" panose="020F0502020204030204" pitchFamily="34" charset="0"/>
-              <a:cs typeface="Times New Roman" panose="02020603050405020304" pitchFamily="18" charset="0"/>
-            </a:endParaRPr>
-          </a:p>
-          <a:p>
-            <a:pPr marL="457200" marR="0">
-              <a:lnSpc>
-                <a:spcPct val="107000"/>
-              </a:lnSpc>
-              <a:spcBef>
-                <a:spcPts val="0"/>
-              </a:spcBef>
-              <a:spcAft>
-                <a:spcPts val="0"/>
-              </a:spcAft>
-            </a:pPr>
-            <a:r>
-              <a:rPr lang="en-CA" sz="1800" kern="100" dirty="0">
-                <a:effectLst/>
-                <a:latin typeface="Calibri" panose="020F0502020204030204" pitchFamily="34" charset="0"/>
-                <a:ea typeface="Calibri" panose="020F0502020204030204" pitchFamily="34" charset="0"/>
-                <a:cs typeface="Times New Roman" panose="02020603050405020304" pitchFamily="18" charset="0"/>
-              </a:rPr>
-              <a:t> </a:t>
-            </a:r>
             <a:endParaRPr lang="en-US" sz="1800" kern="100" dirty="0">
               <a:effectLst/>
               <a:latin typeface="Calibri" panose="020F0502020204030204" pitchFamily="34" charset="0"/>
@@ -6594,15 +6511,6 @@
                 <a:spcPts val="0"/>
               </a:spcAft>
             </a:pPr>
-            <a:r>
-              <a:rPr lang="en-CA" sz="1800" kern="100" dirty="0">
-                <a:effectLst/>
-                <a:latin typeface="Calibri" panose="020F0502020204030204" pitchFamily="34" charset="0"/>
-                <a:ea typeface="Calibri" panose="020F0502020204030204" pitchFamily="34" charset="0"/>
-                <a:cs typeface="Times New Roman" panose="02020603050405020304" pitchFamily="18" charset="0"/>
-              </a:rPr>
-              <a:t> </a:t>
-            </a:r>
             <a:endParaRPr lang="en-US" sz="1800" kern="100" dirty="0">
               <a:effectLst/>
               <a:latin typeface="Calibri" panose="020F0502020204030204" pitchFamily="34" charset="0"/>
@@ -7459,20 +7367,19 @@
         <p:spPr/>
         <p:txBody>
           <a:bodyPr>
-            <a:normAutofit/>
+            <a:noAutofit/>
           </a:bodyPr>
           <a:lstStyle/>
           <a:p>
             <a:r>
-              <a:rPr lang="en-US" sz="1200" dirty="0"/>
+              <a:rPr lang="en-US" sz="1800" dirty="0"/>
               <a:t>Git is a version control system manages your code allows to update and merge with other collaborators.</a:t>
             </a:r>
           </a:p>
           <a:p>
             <a:r>
-              <a:rPr lang="en-CA" sz="1200" kern="100" dirty="0">
+              <a:rPr lang="en-CA" sz="1800" kern="100" dirty="0">
                 <a:effectLst/>
-                <a:latin typeface="Calibri" panose="020F0502020204030204" pitchFamily="34" charset="0"/>
                 <a:ea typeface="Calibri" panose="020F0502020204030204" pitchFamily="34" charset="0"/>
                 <a:cs typeface="Times New Roman" panose="02020603050405020304" pitchFamily="18" charset="0"/>
               </a:rPr>
@@ -7483,26 +7390,23 @@
             <a:r>
               <a:rPr lang="en-CA" sz="1800" kern="100" dirty="0">
                 <a:effectLst/>
-                <a:latin typeface="Calibri" panose="020F0502020204030204" pitchFamily="34" charset="0"/>
                 <a:ea typeface="Calibri" panose="020F0502020204030204" pitchFamily="34" charset="0"/>
                 <a:cs typeface="Times New Roman" panose="02020603050405020304" pitchFamily="18" charset="0"/>
               </a:rPr>
-              <a:t>Ansible is an open-source automation platform that can be used to automate various IT tasks, including the deployment of applications. Ansible uses a declarative language to describe the desired state of a system and can be used to automate tasks such as installing packages, configuring services, and managing system configurations.</a:t>
+              <a:t>Ansible is an open-source automation platform that can be used to automate various IT tasks, including the deployment of applications. </a:t>
             </a:r>
           </a:p>
           <a:p>
             <a:r>
               <a:rPr lang="en-CA" sz="1800" kern="100" dirty="0">
                 <a:effectLst/>
-                <a:latin typeface="Calibri" panose="020F0502020204030204" pitchFamily="34" charset="0"/>
                 <a:ea typeface="Calibri" panose="020F0502020204030204" pitchFamily="34" charset="0"/>
                 <a:cs typeface="Times New Roman" panose="02020603050405020304" pitchFamily="18" charset="0"/>
               </a:rPr>
-              <a:t>By using these tools together, teams can automate many of the manual tasks involved in software development and deployment, allowing them to focus on delivering new features and fixing problems more quickly. Additionally, the use of automation helps to reduce errors and ensure consistency, resulting in more reliable and predictable software releases.</a:t>
+              <a:t>By using these tools together, teams can automate many of the manual tasks involved in software development and deployment, allowing them to focus on delivering new features and fixing problems more quickly. </a:t>
             </a:r>
             <a:endParaRPr lang="en-US" sz="1800" kern="100" dirty="0">
               <a:effectLst/>
-              <a:latin typeface="Calibri" panose="020F0502020204030204" pitchFamily="34" charset="0"/>
               <a:ea typeface="Calibri" panose="020F0502020204030204" pitchFamily="34" charset="0"/>
               <a:cs typeface="Times New Roman" panose="02020603050405020304" pitchFamily="18" charset="0"/>
             </a:endParaRPr>
@@ -7510,21 +7414,12 @@
           <a:p>
             <a:endParaRPr lang="en-US" sz="1800" kern="100" dirty="0">
               <a:effectLst/>
-              <a:latin typeface="Calibri" panose="020F0502020204030204" pitchFamily="34" charset="0"/>
               <a:ea typeface="Calibri" panose="020F0502020204030204" pitchFamily="34" charset="0"/>
               <a:cs typeface="Times New Roman" panose="02020603050405020304" pitchFamily="18" charset="0"/>
             </a:endParaRPr>
           </a:p>
           <a:p>
-            <a:endParaRPr lang="en-US" sz="1200" kern="100" dirty="0">
-              <a:effectLst/>
-              <a:latin typeface="Calibri" panose="020F0502020204030204" pitchFamily="34" charset="0"/>
-              <a:ea typeface="Calibri" panose="020F0502020204030204" pitchFamily="34" charset="0"/>
-              <a:cs typeface="Times New Roman" panose="02020603050405020304" pitchFamily="18" charset="0"/>
-            </a:endParaRPr>
-          </a:p>
-          <a:p>
-            <a:endParaRPr lang="en-US" dirty="0"/>
+            <a:endParaRPr lang="en-US" sz="1800" dirty="0"/>
           </a:p>
         </p:txBody>
       </p:sp>
@@ -7619,51 +7514,34 @@
         <p:spPr/>
         <p:txBody>
           <a:bodyPr>
-            <a:normAutofit lnSpcReduction="10000"/>
+            <a:normAutofit/>
           </a:bodyPr>
           <a:lstStyle/>
           <a:p>
             <a:r>
-              <a:rPr lang="en-US" sz="1400" dirty="0"/>
-              <a:t>Containerization with Docker allows you to package your applications and dependencies into isolated containers, making them portable and easy to deploy across multiple environments. Kubernetes, on the other hand, is an orchestration platform that automates the deployment, scaling, and management of containers. By combining these technologies, you can achieve improved scalability and reliability for your applications</a:t>
-            </a:r>
-          </a:p>
-          <a:p>
-            <a:r>
-              <a:rPr lang="en-CA" sz="1800" kern="100" dirty="0">
+              <a:rPr lang="en-US" sz="1600" dirty="0"/>
+              <a:t>Containerization with Docker allows you to package your applications and dependencies into isolated containers, making them portable and easy to deploy across multiple environments. Kubernetes, on the other hand, is an orchestration platform that automates the deployment, scaling, and management of containers. </a:t>
+            </a:r>
+          </a:p>
+          <a:p>
+            <a:r>
+              <a:rPr lang="en-CA" sz="1600" kern="100" dirty="0">
                 <a:effectLst/>
-                <a:latin typeface="Calibri" panose="020F0502020204030204" pitchFamily="34" charset="0"/>
                 <a:ea typeface="Calibri" panose="020F0502020204030204" pitchFamily="34" charset="0"/>
                 <a:cs typeface="Times New Roman" panose="02020603050405020304" pitchFamily="18" charset="0"/>
               </a:rPr>
               <a:t>Kubernetes can manage the deployment and scaling of multiple containers, ensuring that your application has the resources it needs to function properly, even during high traffic periods. Additionally, Kubernetes can automatically manage the availability and resiliency of your containers by automatically restarting failed containers and moving containers between nodes in the event of hardware failures. This helps to minimize downtime and improve reliability.</a:t>
             </a:r>
-            <a:endParaRPr lang="en-US" sz="1800" kern="100" dirty="0">
+          </a:p>
+          <a:p>
+            <a:pPr marL="0" indent="0">
+              <a:buNone/>
+            </a:pPr>
+            <a:endParaRPr lang="en-US" sz="1600" kern="100" dirty="0">
               <a:effectLst/>
-              <a:latin typeface="Calibri" panose="020F0502020204030204" pitchFamily="34" charset="0"/>
               <a:ea typeface="Calibri" panose="020F0502020204030204" pitchFamily="34" charset="0"/>
               <a:cs typeface="Times New Roman" panose="02020603050405020304" pitchFamily="18" charset="0"/>
             </a:endParaRPr>
-          </a:p>
-          <a:p>
-            <a:r>
-              <a:rPr lang="en-CA" sz="1800" kern="100" dirty="0">
-                <a:effectLst/>
-                <a:latin typeface="Calibri" panose="020F0502020204030204" pitchFamily="34" charset="0"/>
-                <a:ea typeface="Calibri" panose="020F0502020204030204" pitchFamily="34" charset="0"/>
-                <a:cs typeface="Times New Roman" panose="02020603050405020304" pitchFamily="18" charset="0"/>
-              </a:rPr>
-              <a:t>In summary, using containerization and orchestration technologies like Docker and Kubernetes can help improve scalability and reliability by allowing you to package your applications into isolated containers, automate their deployment, scaling, and management, and manage the availability and resiliency of your application.</a:t>
-            </a:r>
-            <a:endParaRPr lang="en-US" sz="1800" kern="100" dirty="0">
-              <a:effectLst/>
-              <a:latin typeface="Calibri" panose="020F0502020204030204" pitchFamily="34" charset="0"/>
-              <a:ea typeface="Calibri" panose="020F0502020204030204" pitchFamily="34" charset="0"/>
-              <a:cs typeface="Times New Roman" panose="02020603050405020304" pitchFamily="18" charset="0"/>
-            </a:endParaRPr>
-          </a:p>
-          <a:p>
-            <a:endParaRPr lang="en-US" sz="1400" dirty="0"/>
           </a:p>
         </p:txBody>
       </p:sp>
@@ -7835,7 +7713,7 @@
         <p:spPr/>
         <p:txBody>
           <a:bodyPr>
-            <a:normAutofit fontScale="77500" lnSpcReduction="20000"/>
+            <a:normAutofit/>
           </a:bodyPr>
           <a:lstStyle/>
           <a:p>
@@ -7846,7 +7724,7 @@
                 <a:ea typeface="Calibri" panose="020F0502020204030204" pitchFamily="34" charset="0"/>
                 <a:cs typeface="Times New Roman" panose="02020603050405020304" pitchFamily="18" charset="0"/>
               </a:rPr>
-              <a:t>Monitoring and logging tools, such as Prometheus and the Elasticsearch, Logstash, and Kibana (ELK) stack, play an important role in improving visibility and troubleshooting issues in a production environment.</a:t>
+              <a:t>Monitoring and logging tools, such as Prometheus and the Elasticsearch, Logstash, and Kibana (ELK) stack, improve visibility and troubleshooting issues in a production environment.</a:t>
             </a:r>
             <a:endParaRPr lang="en-US" sz="1800" kern="100" dirty="0">
               <a:effectLst/>
@@ -7874,7 +7752,7 @@
                 <a:ea typeface="Calibri" panose="020F0502020204030204" pitchFamily="34" charset="0"/>
                 <a:cs typeface="Times New Roman" panose="02020603050405020304" pitchFamily="18" charset="0"/>
               </a:rPr>
-              <a:t>Prometheus is a monitoring tool that can collect and store time-series data and provides a query language to analyze this data. This information can be used to track key metrics such as resource usage, performance, and availability of your applications and infrastructure. By setting alerts based on these metrics, you can be notified of any potential issues and take action before they become major problems.</a:t>
+              <a:t>Prometheus is a monitoring tool that can collect and store time-series data and provides a query language to analyze this data. This information can be used to track key metrics such as resource usage, performance, and availability of your applications and infrastructure. </a:t>
             </a:r>
             <a:endParaRPr lang="en-US" sz="1800" kern="100" dirty="0">
               <a:effectLst/>
@@ -7902,14 +7780,8 @@
                 <a:ea typeface="Calibri" panose="020F0502020204030204" pitchFamily="34" charset="0"/>
                 <a:cs typeface="Times New Roman" panose="02020603050405020304" pitchFamily="18" charset="0"/>
               </a:rPr>
-              <a:t> </a:t>
-            </a:r>
-            <a:endParaRPr lang="en-US" sz="1800" kern="100" dirty="0">
-              <a:effectLst/>
-              <a:latin typeface="Calibri" panose="020F0502020204030204" pitchFamily="34" charset="0"/>
-              <a:ea typeface="Calibri" panose="020F0502020204030204" pitchFamily="34" charset="0"/>
-              <a:cs typeface="Times New Roman" panose="02020603050405020304" pitchFamily="18" charset="0"/>
-            </a:endParaRPr>
+              <a:t>The ELK stack is a logging solution that allows you to centralize and store log data from your applications and infrastructure. This data can then be analyzed and visualized using Kibana, providing a way to easily search, analyze, and visualize log data</a:t>
+            </a:r>
           </a:p>
           <a:p>
             <a:pPr marL="457200" marR="0">
@@ -7925,77 +7797,12 @@
             </a:pPr>
             <a:r>
               <a:rPr lang="en-CA" sz="1800" kern="100" dirty="0">
-                <a:effectLst/>
                 <a:latin typeface="Calibri" panose="020F0502020204030204" pitchFamily="34" charset="0"/>
                 <a:ea typeface="Calibri" panose="020F0502020204030204" pitchFamily="34" charset="0"/>
                 <a:cs typeface="Times New Roman" panose="02020603050405020304" pitchFamily="18" charset="0"/>
               </a:rPr>
-              <a:t>The ELK stack, on the other hand, is a logging solution that allows you to centralize and store log data from your applications and infrastructure. This data can then be analyzed and visualized using Kibana, providing a way to easily search, analyze, and visualize log data. This can be useful in troubleshooting issues as you can quickly search for and isolate relevant log entries to help identify the root cause of a problem.</a:t>
-            </a:r>
-            <a:endParaRPr lang="en-US" sz="1800" kern="100" dirty="0">
-              <a:effectLst/>
-              <a:latin typeface="Calibri" panose="020F0502020204030204" pitchFamily="34" charset="0"/>
-              <a:ea typeface="Calibri" panose="020F0502020204030204" pitchFamily="34" charset="0"/>
-              <a:cs typeface="Times New Roman" panose="02020603050405020304" pitchFamily="18" charset="0"/>
-            </a:endParaRPr>
-          </a:p>
-          <a:p>
-            <a:pPr marL="457200" marR="0">
-              <a:lnSpc>
-                <a:spcPct val="107000"/>
-              </a:lnSpc>
-              <a:spcBef>
-                <a:spcPts val="0"/>
-              </a:spcBef>
-              <a:spcAft>
-                <a:spcPts val="800"/>
-              </a:spcAft>
-            </a:pPr>
-            <a:r>
-              <a:rPr lang="en-CA" sz="1800" kern="100" dirty="0">
-                <a:effectLst/>
-                <a:latin typeface="Calibri" panose="020F0502020204030204" pitchFamily="34" charset="0"/>
-                <a:ea typeface="Calibri" panose="020F0502020204030204" pitchFamily="34" charset="0"/>
-                <a:cs typeface="Times New Roman" panose="02020603050405020304" pitchFamily="18" charset="0"/>
-              </a:rPr>
-              <a:t> </a:t>
-            </a:r>
-            <a:endParaRPr lang="en-US" sz="1800" kern="100" dirty="0">
-              <a:effectLst/>
-              <a:latin typeface="Calibri" panose="020F0502020204030204" pitchFamily="34" charset="0"/>
-              <a:ea typeface="Calibri" panose="020F0502020204030204" pitchFamily="34" charset="0"/>
-              <a:cs typeface="Times New Roman" panose="02020603050405020304" pitchFamily="18" charset="0"/>
-            </a:endParaRPr>
-          </a:p>
-          <a:p>
-            <a:pPr marL="457200" marR="0">
-              <a:lnSpc>
-                <a:spcPct val="107000"/>
-              </a:lnSpc>
-              <a:spcBef>
-                <a:spcPts val="0"/>
-              </a:spcBef>
-              <a:spcAft>
-                <a:spcPts val="800"/>
-              </a:spcAft>
-            </a:pPr>
-            <a:r>
-              <a:rPr lang="en-CA" sz="1800" kern="100" dirty="0">
-                <a:effectLst/>
-                <a:latin typeface="Calibri" panose="020F0502020204030204" pitchFamily="34" charset="0"/>
-                <a:ea typeface="Calibri" panose="020F0502020204030204" pitchFamily="34" charset="0"/>
-                <a:cs typeface="Times New Roman" panose="02020603050405020304" pitchFamily="18" charset="0"/>
-              </a:rPr>
-              <a:t>By combining these tools, you can have a comprehensive view of your production environment, including both the performance and health of your applications, as well as the logs that can provide more detailed information about any issues that may arise. This helps you to identify and resolve problems more quickly and efficiently, leading to improved reliability and reduced downtime.</a:t>
-            </a:r>
-            <a:endParaRPr lang="en-US" sz="1800" kern="100" dirty="0">
-              <a:effectLst/>
-              <a:latin typeface="Calibri" panose="020F0502020204030204" pitchFamily="34" charset="0"/>
-              <a:ea typeface="Calibri" panose="020F0502020204030204" pitchFamily="34" charset="0"/>
-              <a:cs typeface="Times New Roman" panose="02020603050405020304" pitchFamily="18" charset="0"/>
-            </a:endParaRPr>
-          </a:p>
-          <a:p>
+              <a:t>Both allow quick trouble shooting via live updates.</a:t>
+            </a:r>
             <a:endParaRPr lang="en-US" dirty="0"/>
           </a:p>
         </p:txBody>
@@ -8201,7 +8008,7 @@
         <p:spPr/>
         <p:txBody>
           <a:bodyPr>
-            <a:normAutofit fontScale="70000" lnSpcReduction="20000"/>
+            <a:normAutofit fontScale="77500" lnSpcReduction="20000"/>
           </a:bodyPr>
           <a:lstStyle/>
           <a:p>
@@ -8241,25 +8048,7 @@
                 <a:ea typeface="Calibri" panose="020F0502020204030204" pitchFamily="34" charset="0"/>
                 <a:cs typeface="Times New Roman" panose="02020603050405020304" pitchFamily="18" charset="0"/>
               </a:rPr>
-              <a:t>) refers to the practice of managing and provisioning infrastructure resources, such as servers, storage, and network components, using code rather than manual processes. Tools like Terraform and AWS CloudFormation are used to automate and manage </a:t>
-            </a:r>
-            <a:r>
-              <a:rPr lang="en-CA" sz="1800" kern="100" dirty="0" err="1">
-                <a:effectLst/>
-                <a:latin typeface="Calibri" panose="020F0502020204030204" pitchFamily="34" charset="0"/>
-                <a:ea typeface="Calibri" panose="020F0502020204030204" pitchFamily="34" charset="0"/>
-                <a:cs typeface="Times New Roman" panose="02020603050405020304" pitchFamily="18" charset="0"/>
-              </a:rPr>
-              <a:t>IaC</a:t>
-            </a:r>
-            <a:r>
-              <a:rPr lang="en-CA" sz="1800" kern="100" dirty="0">
-                <a:effectLst/>
-                <a:latin typeface="Calibri" panose="020F0502020204030204" pitchFamily="34" charset="0"/>
-                <a:ea typeface="Calibri" panose="020F0502020204030204" pitchFamily="34" charset="0"/>
-                <a:cs typeface="Times New Roman" panose="02020603050405020304" pitchFamily="18" charset="0"/>
-              </a:rPr>
-              <a:t>.</a:t>
+              <a:t>) refers to the practice of managing and provisioning infrastructure resources, such as servers, storage, and network components, using code rather than manual processes. </a:t>
             </a:r>
             <a:endParaRPr lang="en-US" sz="1800" kern="100" dirty="0">
               <a:effectLst/>
@@ -8280,15 +8069,6 @@
                 <a:spcPts val="800"/>
               </a:spcAft>
             </a:pPr>
-            <a:r>
-              <a:rPr lang="en-CA" sz="1800" kern="100" dirty="0">
-                <a:effectLst/>
-                <a:latin typeface="Calibri" panose="020F0502020204030204" pitchFamily="34" charset="0"/>
-                <a:ea typeface="Calibri" panose="020F0502020204030204" pitchFamily="34" charset="0"/>
-                <a:cs typeface="Times New Roman" panose="02020603050405020304" pitchFamily="18" charset="0"/>
-              </a:rPr>
-              <a:t> </a:t>
-            </a:r>
             <a:endParaRPr lang="en-US" sz="1800" kern="100" dirty="0">
               <a:effectLst/>
               <a:latin typeface="Calibri" panose="020F0502020204030204" pitchFamily="34" charset="0"/>
@@ -8361,7 +8141,7 @@
             </a:endParaRPr>
           </a:p>
           <a:p>
-            <a:pPr marL="457200" marR="0">
+            <a:pPr marR="0" indent="0">
               <a:lnSpc>
                 <a:spcPct val="107000"/>
               </a:lnSpc>
@@ -8371,16 +8151,8 @@
               <a:spcAft>
                 <a:spcPts val="800"/>
               </a:spcAft>
+              <a:buNone/>
             </a:pPr>
-            <a:r>
-              <a:rPr lang="en-CA" sz="1800" kern="100" dirty="0">
-                <a:effectLst/>
-                <a:latin typeface="Calibri" panose="020F0502020204030204" pitchFamily="34" charset="0"/>
-                <a:ea typeface="Calibri" panose="020F0502020204030204" pitchFamily="34" charset="0"/>
-                <a:cs typeface="Times New Roman" panose="02020603050405020304" pitchFamily="18" charset="0"/>
-              </a:rPr>
-              <a:t> </a:t>
-            </a:r>
             <a:endParaRPr lang="en-US" sz="1800" kern="100" dirty="0">
               <a:effectLst/>
               <a:latin typeface="Calibri" panose="020F0502020204030204" pitchFamily="34" charset="0"/>
@@ -8417,7 +8189,7 @@
             </a:endParaRPr>
           </a:p>
           <a:p>
-            <a:pPr marL="457200" marR="0">
+            <a:pPr marR="0" indent="0">
               <a:lnSpc>
                 <a:spcPct val="107000"/>
               </a:lnSpc>
@@ -8427,16 +8199,8 @@
               <a:spcAft>
                 <a:spcPts val="800"/>
               </a:spcAft>
+              <a:buNone/>
             </a:pPr>
-            <a:r>
-              <a:rPr lang="en-CA" sz="1800" kern="100" dirty="0">
-                <a:effectLst/>
-                <a:latin typeface="Calibri" panose="020F0502020204030204" pitchFamily="34" charset="0"/>
-                <a:ea typeface="Calibri" panose="020F0502020204030204" pitchFamily="34" charset="0"/>
-                <a:cs typeface="Times New Roman" panose="02020603050405020304" pitchFamily="18" charset="0"/>
-              </a:rPr>
-              <a:t> </a:t>
-            </a:r>
             <a:endParaRPr lang="en-US" sz="1800" kern="100" dirty="0">
               <a:effectLst/>
               <a:latin typeface="Calibri" panose="020F0502020204030204" pitchFamily="34" charset="0"/>
